--- a/Files/Session4.pptx
+++ b/Files/Session4.pptx
@@ -23,16 +23,16 @@
   <p:notesSz cx="6858000" cy="9144000"/>
   <p:embeddedFontLst>
     <p:embeddedFont>
-      <p:font typeface="Lato Light" panose="020F0502020204030203" pitchFamily="34" charset="77"/>
+      <p:font typeface="Roboto Slab Light" panose="02000000000000000000" pitchFamily="2" charset="0"/>
       <p:regular r:id="rId13"/>
       <p:bold r:id="rId14"/>
-      <p:italic r:id="rId15"/>
-      <p:boldItalic r:id="rId16"/>
     </p:embeddedFont>
     <p:embeddedFont>
-      <p:font typeface="Roboto Slab Light" panose="02000000000000000000" pitchFamily="2" charset="0"/>
-      <p:regular r:id="rId17"/>
-      <p:bold r:id="rId18"/>
+      <p:font typeface="Lato Light" panose="020F0502020204030203" pitchFamily="34" charset="77"/>
+      <p:regular r:id="rId15"/>
+      <p:bold r:id="rId16"/>
+      <p:italic r:id="rId17"/>
+      <p:boldItalic r:id="rId18"/>
     </p:embeddedFont>
   </p:embeddedFontLst>
   <p:defaultTextStyle>
@@ -13801,7 +13801,7 @@
               </a:spcBef>
             </a:pPr>
             <a:r>
-              <a:rPr lang="en" sz="1400" dirty="0"/>
+              <a:rPr lang="en" sz="1400" b="1" dirty="0"/>
               <a:t>Custom View</a:t>
             </a:r>
           </a:p>
@@ -13815,10 +13815,10 @@
               </a:spcBef>
             </a:pPr>
             <a:r>
-              <a:rPr lang="en" sz="1400" dirty="0" err="1"/>
+              <a:rPr lang="en" sz="1400" b="1" dirty="0" err="1"/>
               <a:t>CustomViewHolder</a:t>
             </a:r>
-            <a:endParaRPr lang="en" sz="1400" dirty="0"/>
+            <a:endParaRPr lang="en" sz="1400" b="1" dirty="0"/>
           </a:p>
           <a:p>
             <a:pPr lvl="1">
@@ -13830,7 +13830,7 @@
               </a:spcBef>
             </a:pPr>
             <a:r>
-              <a:rPr lang="en" sz="1400" dirty="0"/>
+              <a:rPr lang="en" sz="1400" b="1" dirty="0"/>
               <a:t>Data</a:t>
             </a:r>
           </a:p>
@@ -13844,10 +13844,10 @@
               </a:spcBef>
             </a:pPr>
             <a:r>
-              <a:rPr lang="en" sz="1400" dirty="0" err="1"/>
+              <a:rPr lang="en" sz="1400" b="1" dirty="0" err="1"/>
               <a:t>LayoutManager</a:t>
             </a:r>
-            <a:endParaRPr lang="en" sz="1400" dirty="0"/>
+            <a:endParaRPr lang="en" sz="1400" b="1" dirty="0"/>
           </a:p>
           <a:p>
             <a:pPr lvl="1">
